--- a/projects/kog.020.030-gom/3gre055_2Dcam.pptx
+++ b/projects/kog.020.030-gom/3gre055_2Dcam.pptx
@@ -210,7 +210,7 @@
           <a:p>
             <a:fld id="{9CB53498-0D27-4BA1-B64E-F3F0DF81F6FC}" type="datetimeFigureOut">
               <a:rPr lang="en-US" smtClean="0"/>
-              <a:t>3/2/2021</a:t>
+              <a:t>10/9/2023</a:t>
             </a:fld>
             <a:endParaRPr lang="en-US"/>
           </a:p>
@@ -1648,7 +1648,7 @@
           <a:p>
             <a:fld id="{233D5BDB-207A-4240-9DD0-70E5211C08C1}" type="datetimeFigureOut">
               <a:rPr lang="en-US" smtClean="0"/>
-              <a:t>3/2/2021</a:t>
+              <a:t>10/9/2023</a:t>
             </a:fld>
             <a:endParaRPr lang="en-US"/>
           </a:p>
@@ -4371,7 +4371,7 @@
             <a:fld id="{233D5BDB-207A-4240-9DD0-70E5211C08C1}" type="datetimeFigureOut">
               <a:rPr lang="en-US" smtClean="0"/>
               <a:pPr/>
-              <a:t>3/2/2021</a:t>
+              <a:t>10/9/2023</a:t>
             </a:fld>
             <a:endParaRPr lang="en-US"/>
           </a:p>
@@ -8312,57 +8312,7 @@
                 <a:ea typeface="Times New Roman" panose="02020603050405020304" pitchFamily="18" charset="0"/>
                 <a:cs typeface="Times New Roman" panose="02020603050405020304" pitchFamily="18" charset="0"/>
               </a:rPr>
-              <a:t>(</a:t>
-            </a:r>
-            <a:r>
-              <a:rPr lang="en-US" dirty="0" err="1">
-                <a:solidFill>
-                  <a:srgbClr val="C70040"/>
-                </a:solidFill>
-                <a:ea typeface="Times New Roman" panose="02020603050405020304" pitchFamily="18" charset="0"/>
-                <a:cs typeface="Times New Roman" panose="02020603050405020304" pitchFamily="18" charset="0"/>
-              </a:rPr>
-              <a:t>vararg</a:t>
-            </a:r>
-            <a:r>
-              <a:rPr lang="en-US" dirty="0">
-                <a:solidFill>
-                  <a:srgbClr val="C70040"/>
-                </a:solidFill>
-                <a:ea typeface="Times New Roman" panose="02020603050405020304" pitchFamily="18" charset="0"/>
-                <a:cs typeface="Times New Roman" panose="02020603050405020304" pitchFamily="18" charset="0"/>
-              </a:rPr>
-              <a:t> </a:t>
-            </a:r>
-            <a:r>
-              <a:rPr lang="en-US" i="1" dirty="0">
-                <a:solidFill>
-                  <a:srgbClr val="CB6500"/>
-                </a:solidFill>
-                <a:ea typeface="Times New Roman" panose="02020603050405020304" pitchFamily="18" charset="0"/>
-                <a:cs typeface="Times New Roman" panose="02020603050405020304" pitchFamily="18" charset="0"/>
-              </a:rPr>
-              <a:t>programs </a:t>
-            </a:r>
-            <a:r>
-              <a:rPr lang="en-US" dirty="0">
-                <a:solidFill>
-                  <a:srgbClr val="C70040"/>
-                </a:solidFill>
-                <a:ea typeface="Times New Roman" panose="02020603050405020304" pitchFamily="18" charset="0"/>
-                <a:cs typeface="Times New Roman" panose="02020603050405020304" pitchFamily="18" charset="0"/>
-              </a:rPr>
-              <a:t>: </a:t>
-            </a:r>
-            <a:r>
-              <a:rPr lang="en-US" dirty="0">
-                <a:solidFill>
-                  <a:srgbClr val="000000"/>
-                </a:solidFill>
-                <a:ea typeface="Times New Roman" panose="02020603050405020304" pitchFamily="18" charset="0"/>
-                <a:cs typeface="Times New Roman" panose="02020603050405020304" pitchFamily="18" charset="0"/>
-              </a:rPr>
-              <a:t>Program) </a:t>
+              <a:t>() </a:t>
             </a:r>
             <a:r>
               <a:rPr lang="en-US" dirty="0">
@@ -9096,47 +9046,7 @@
                 <a:ea typeface="Times New Roman" panose="02020603050405020304" pitchFamily="18" charset="0"/>
                 <a:cs typeface="Times New Roman" panose="02020603050405020304" pitchFamily="18" charset="0"/>
               </a:rPr>
-              <a:t>    </a:t>
-            </a:r>
-            <a:r>
-              <a:rPr lang="en-US" dirty="0" err="1">
-                <a:solidFill>
-                  <a:srgbClr val="000000"/>
-                </a:solidFill>
-                <a:ea typeface="Times New Roman" panose="02020603050405020304" pitchFamily="18" charset="0"/>
-                <a:cs typeface="Times New Roman" panose="02020603050405020304" pitchFamily="18" charset="0"/>
-              </a:rPr>
-              <a:t>addComponentsAndGatherUniforms</a:t>
-            </a:r>
-            <a:r>
-              <a:rPr lang="en-US" dirty="0">
-                <a:solidFill>
-                  <a:srgbClr val="000000"/>
-                </a:solidFill>
-                <a:ea typeface="Times New Roman" panose="02020603050405020304" pitchFamily="18" charset="0"/>
-                <a:cs typeface="Times New Roman" panose="02020603050405020304" pitchFamily="18" charset="0"/>
-              </a:rPr>
-              <a:t>(</a:t>
-            </a:r>
-            <a:r>
-              <a:rPr lang="en-US" dirty="0">
-                <a:solidFill>
-                  <a:srgbClr val="C70040"/>
-                </a:solidFill>
-                <a:ea typeface="Times New Roman" panose="02020603050405020304" pitchFamily="18" charset="0"/>
-                <a:cs typeface="Times New Roman" panose="02020603050405020304" pitchFamily="18" charset="0"/>
-              </a:rPr>
-              <a:t>*</a:t>
-            </a:r>
-            <a:r>
-              <a:rPr lang="en-US" dirty="0">
-                <a:solidFill>
-                  <a:srgbClr val="000000"/>
-                </a:solidFill>
-                <a:ea typeface="Times New Roman" panose="02020603050405020304" pitchFamily="18" charset="0"/>
-                <a:cs typeface="Times New Roman" panose="02020603050405020304" pitchFamily="18" charset="0"/>
-              </a:rPr>
-              <a:t>programs)</a:t>
+              <a:t>  }</a:t>
             </a:r>
             <a:endParaRPr lang="en-US" sz="2000" dirty="0">
               <a:latin typeface="Calibri" panose="020F0502020204030204" pitchFamily="34" charset="0"/>
@@ -9179,50 +9089,7 @@
                 <a:ea typeface="Times New Roman" panose="02020603050405020304" pitchFamily="18" charset="0"/>
                 <a:cs typeface="Times New Roman" panose="02020603050405020304" pitchFamily="18" charset="0"/>
               </a:rPr>
-              <a:t>  }</a:t>
-            </a:r>
-            <a:endParaRPr lang="en-US" sz="2000" dirty="0">
-              <a:latin typeface="Calibri" panose="020F0502020204030204" pitchFamily="34" charset="0"/>
-              <a:ea typeface="Calibri" panose="020F0502020204030204" pitchFamily="34" charset="0"/>
-              <a:cs typeface="Times New Roman" panose="02020603050405020304" pitchFamily="18" charset="0"/>
-            </a:endParaRPr>
-          </a:p>
-          <a:p>
-            <a:pPr>
-              <a:lnSpc>
-                <a:spcPct val="107000"/>
-              </a:lnSpc>
-              <a:spcAft>
-                <a:spcPts val="0"/>
-              </a:spcAft>
-              <a:tabLst>
-                <a:tab pos="581660" algn="l"/>
-                <a:tab pos="1163320" algn="l"/>
-                <a:tab pos="1744980" algn="l"/>
-                <a:tab pos="2326640" algn="l"/>
-                <a:tab pos="2908300" algn="l"/>
-                <a:tab pos="3489960" algn="l"/>
-                <a:tab pos="4071620" algn="l"/>
-                <a:tab pos="4653280" algn="l"/>
-                <a:tab pos="5234940" algn="l"/>
-                <a:tab pos="5816600" algn="l"/>
-                <a:tab pos="6398260" algn="l"/>
-                <a:tab pos="6979920" algn="l"/>
-                <a:tab pos="7561580" algn="l"/>
-                <a:tab pos="8143240" algn="l"/>
-                <a:tab pos="8724900" algn="l"/>
-                <a:tab pos="9306560" algn="l"/>
-              </a:tabLst>
-            </a:pPr>
-            <a:r>
-              <a:rPr lang="en-US" dirty="0">
-                <a:solidFill>
-                  <a:srgbClr val="000000"/>
-                </a:solidFill>
-                <a:ea typeface="Times New Roman" panose="02020603050405020304" pitchFamily="18" charset="0"/>
-                <a:cs typeface="Times New Roman" panose="02020603050405020304" pitchFamily="18" charset="0"/>
-              </a:rPr>
-              <a:t> }</a:t>
+              <a:t>}</a:t>
             </a:r>
             <a:endParaRPr lang="en-US" sz="2000" dirty="0">
               <a:effectLst/>
@@ -10743,27 +10610,7 @@
                 <a:ea typeface="Times New Roman" panose="02020603050405020304" pitchFamily="18" charset="0"/>
                 <a:cs typeface="Times New Roman" panose="02020603050405020304" pitchFamily="18" charset="0"/>
               </a:rPr>
-              <a:t>(*</a:t>
-            </a:r>
-            <a:r>
-              <a:rPr lang="en-US" dirty="0" err="1">
-                <a:solidFill>
-                  <a:srgbClr val="000000"/>
-                </a:solidFill>
-                <a:ea typeface="Times New Roman" panose="02020603050405020304" pitchFamily="18" charset="0"/>
-                <a:cs typeface="Times New Roman" panose="02020603050405020304" pitchFamily="18" charset="0"/>
-              </a:rPr>
-              <a:t>Program.all</a:t>
-            </a:r>
-            <a:r>
-              <a:rPr lang="en-US" dirty="0">
-                <a:solidFill>
-                  <a:srgbClr val="000000"/>
-                </a:solidFill>
-                <a:ea typeface="Times New Roman" panose="02020603050405020304" pitchFamily="18" charset="0"/>
-                <a:cs typeface="Times New Roman" panose="02020603050405020304" pitchFamily="18" charset="0"/>
-              </a:rPr>
-              <a:t>)</a:t>
+              <a:t>()</a:t>
             </a:r>
             <a:endParaRPr lang="en-US" sz="1050" dirty="0">
               <a:latin typeface="Calibri" panose="020F0502020204030204" pitchFamily="34" charset="0"/>
